--- a/schema.pptx
+++ b/schema.pptx
@@ -8,7 +8,7 @@
     <p:sldId id="256" r:id="rId2"/>
   </p:sldIdLst>
   <p:sldSz cx="12192000" cy="6858000"/>
-  <p:notesSz cx="6858000" cy="9144000"/>
+  <p:notesSz cx="7104063" cy="10234613"/>
   <p:defaultTextStyle>
     <a:defPPr>
       <a:defRPr lang="ru-RU"/>
@@ -104,6 +104,11 @@
       </a:defRPr>
     </a:lvl9pPr>
   </p:defaultTextStyle>
+  <p:extLst>
+    <p:ext uri="{EFAFB233-063F-42B5-8137-9DF3F51BA10A}">
+      <p15:sldGuideLst xmlns:p15="http://schemas.microsoft.com/office/powerpoint/2012/main"/>
+    </p:ext>
+  </p:extLst>
 </p:presentation>
 </file>
 
@@ -2966,16 +2971,16 @@
       </p:grpSpPr>
       <p:sp>
         <p:nvSpPr>
-          <p:cNvPr id="5" name="Прямоугольник 4"/>
+          <p:cNvPr id="5" name="Скругленный прямоугольник 4"/>
           <p:cNvSpPr/>
           <p:nvPr/>
         </p:nvSpPr>
         <p:spPr>
           <a:xfrm>
-            <a:off x="390967" y="179500"/>
+            <a:off x="1544145" y="176137"/>
             <a:ext cx="990600" cy="646000"/>
           </a:xfrm>
-          <a:prstGeom prst="rect">
+          <a:prstGeom prst="roundRect">
             <a:avLst/>
           </a:prstGeom>
         </p:spPr>
@@ -3008,16 +3013,16 @@
       </p:sp>
       <p:sp>
         <p:nvSpPr>
-          <p:cNvPr id="6" name="Прямоугольник 5"/>
+          <p:cNvPr id="6" name="Скругленный прямоугольник 5"/>
           <p:cNvSpPr/>
           <p:nvPr/>
         </p:nvSpPr>
         <p:spPr>
           <a:xfrm>
-            <a:off x="2195496" y="589719"/>
+            <a:off x="3348674" y="586356"/>
             <a:ext cx="614192" cy="311756"/>
           </a:xfrm>
-          <a:prstGeom prst="rect">
+          <a:prstGeom prst="roundRect">
             <a:avLst/>
           </a:prstGeom>
         </p:spPr>
@@ -3050,16 +3055,16 @@
       </p:sp>
       <p:sp>
         <p:nvSpPr>
-          <p:cNvPr id="7" name="Прямоугольник 6"/>
+          <p:cNvPr id="7" name="Скругленный прямоугольник 6"/>
           <p:cNvSpPr/>
           <p:nvPr/>
         </p:nvSpPr>
         <p:spPr>
           <a:xfrm>
-            <a:off x="2208196" y="1075324"/>
+            <a:off x="3361374" y="1071961"/>
             <a:ext cx="601492" cy="322179"/>
           </a:xfrm>
-          <a:prstGeom prst="rect">
+          <a:prstGeom prst="roundRect">
             <a:avLst/>
           </a:prstGeom>
         </p:spPr>
@@ -3092,16 +3097,16 @@
       </p:sp>
       <p:sp>
         <p:nvSpPr>
-          <p:cNvPr id="8" name="Прямоугольник 7"/>
+          <p:cNvPr id="8" name="Скругленный прямоугольник 7"/>
           <p:cNvSpPr/>
           <p:nvPr/>
         </p:nvSpPr>
         <p:spPr>
           <a:xfrm>
-            <a:off x="2205321" y="1555919"/>
-            <a:ext cx="1308100" cy="332199"/>
-          </a:xfrm>
-          <a:prstGeom prst="rect">
+            <a:off x="3358498" y="1552556"/>
+            <a:ext cx="1389627" cy="332199"/>
+          </a:xfrm>
+          <a:prstGeom prst="roundRect">
             <a:avLst/>
           </a:prstGeom>
         </p:spPr>
@@ -3134,16 +3139,16 @@
       </p:sp>
       <p:sp>
         <p:nvSpPr>
-          <p:cNvPr id="9" name="Прямоугольник 8"/>
+          <p:cNvPr id="9" name="Скругленный прямоугольник 8"/>
           <p:cNvSpPr/>
           <p:nvPr/>
         </p:nvSpPr>
         <p:spPr>
           <a:xfrm>
-            <a:off x="2195496" y="2101545"/>
-            <a:ext cx="1308100" cy="281879"/>
-          </a:xfrm>
-          <a:prstGeom prst="rect">
+            <a:off x="3348673" y="2098182"/>
+            <a:ext cx="1379509" cy="314789"/>
+          </a:xfrm>
+          <a:prstGeom prst="roundRect">
             <a:avLst/>
           </a:prstGeom>
         </p:spPr>
@@ -3176,16 +3181,16 @@
       </p:sp>
       <p:sp>
         <p:nvSpPr>
-          <p:cNvPr id="10" name="Прямоугольник 9"/>
+          <p:cNvPr id="10" name="Скругленный прямоугольник 9"/>
           <p:cNvSpPr/>
           <p:nvPr/>
         </p:nvSpPr>
         <p:spPr>
           <a:xfrm>
-            <a:off x="4372462" y="179500"/>
+            <a:off x="5145794" y="179500"/>
             <a:ext cx="990600" cy="635473"/>
           </a:xfrm>
-          <a:prstGeom prst="rect">
+          <a:prstGeom prst="roundRect">
             <a:avLst/>
           </a:prstGeom>
         </p:spPr>
@@ -3218,16 +3223,16 @@
       </p:sp>
       <p:sp>
         <p:nvSpPr>
-          <p:cNvPr id="11" name="Прямоугольник 10"/>
+          <p:cNvPr id="11" name="Скругленный прямоугольник 10"/>
           <p:cNvSpPr/>
           <p:nvPr/>
         </p:nvSpPr>
         <p:spPr>
           <a:xfrm>
-            <a:off x="6311900" y="471601"/>
+            <a:off x="6869671" y="436487"/>
             <a:ext cx="1206500" cy="343371"/>
           </a:xfrm>
-          <a:prstGeom prst="rect">
+          <a:prstGeom prst="roundRect">
             <a:avLst/>
           </a:prstGeom>
         </p:spPr>
@@ -3260,16 +3265,16 @@
       </p:sp>
       <p:sp>
         <p:nvSpPr>
-          <p:cNvPr id="12" name="Прямоугольник 11"/>
+          <p:cNvPr id="12" name="Скругленный прямоугольник 11"/>
           <p:cNvSpPr/>
           <p:nvPr/>
         </p:nvSpPr>
         <p:spPr>
           <a:xfrm>
-            <a:off x="6313738" y="2969994"/>
+            <a:off x="6871509" y="2934880"/>
             <a:ext cx="1244600" cy="355365"/>
           </a:xfrm>
-          <a:prstGeom prst="rect">
+          <a:prstGeom prst="roundRect">
             <a:avLst/>
           </a:prstGeom>
         </p:spPr>
@@ -3302,16 +3307,16 @@
       </p:sp>
       <p:sp>
         <p:nvSpPr>
-          <p:cNvPr id="13" name="Прямоугольник 12"/>
+          <p:cNvPr id="13" name="Скругленный прямоугольник 12"/>
           <p:cNvSpPr/>
           <p:nvPr/>
         </p:nvSpPr>
         <p:spPr>
           <a:xfrm>
-            <a:off x="6311900" y="1703501"/>
+            <a:off x="6869671" y="1668387"/>
             <a:ext cx="1361052" cy="411553"/>
           </a:xfrm>
-          <a:prstGeom prst="rect">
+          <a:prstGeom prst="roundRect">
             <a:avLst/>
           </a:prstGeom>
         </p:spPr>
@@ -3344,16 +3349,16 @@
       </p:sp>
       <p:sp>
         <p:nvSpPr>
-          <p:cNvPr id="14" name="Прямоугольник 13"/>
+          <p:cNvPr id="14" name="Скругленный прямоугольник 13"/>
           <p:cNvSpPr/>
           <p:nvPr/>
         </p:nvSpPr>
         <p:spPr>
           <a:xfrm>
-            <a:off x="6311900" y="2345359"/>
+            <a:off x="6869671" y="2310245"/>
             <a:ext cx="1244600" cy="412242"/>
           </a:xfrm>
-          <a:prstGeom prst="rect">
+          <a:prstGeom prst="roundRect">
             <a:avLst/>
           </a:prstGeom>
         </p:spPr>
@@ -3386,16 +3391,16 @@
       </p:sp>
       <p:sp>
         <p:nvSpPr>
-          <p:cNvPr id="15" name="Прямоугольник 14"/>
+          <p:cNvPr id="15" name="Скругленный прямоугольник 14"/>
           <p:cNvSpPr/>
           <p:nvPr/>
         </p:nvSpPr>
         <p:spPr>
           <a:xfrm>
-            <a:off x="6311900" y="1054885"/>
+            <a:off x="6869671" y="1019771"/>
             <a:ext cx="1244600" cy="341811"/>
           </a:xfrm>
-          <a:prstGeom prst="rect">
+          <a:prstGeom prst="roundRect">
             <a:avLst/>
           </a:prstGeom>
         </p:spPr>
@@ -3428,16 +3433,16 @@
       </p:sp>
       <p:sp>
         <p:nvSpPr>
-          <p:cNvPr id="16" name="Прямоугольник 15"/>
+          <p:cNvPr id="16" name="Скругленный прямоугольник 15"/>
           <p:cNvSpPr/>
           <p:nvPr/>
         </p:nvSpPr>
         <p:spPr>
           <a:xfrm>
-            <a:off x="6311900" y="3587339"/>
+            <a:off x="6869671" y="3552225"/>
             <a:ext cx="1399032" cy="335687"/>
           </a:xfrm>
-          <a:prstGeom prst="rect">
+          <a:prstGeom prst="roundRect">
             <a:avLst/>
           </a:prstGeom>
         </p:spPr>
@@ -3470,16 +3475,16 @@
       </p:sp>
       <p:sp>
         <p:nvSpPr>
-          <p:cNvPr id="17" name="Прямоугольник 16"/>
+          <p:cNvPr id="17" name="Скругленный прямоугольник 16"/>
           <p:cNvSpPr/>
           <p:nvPr/>
         </p:nvSpPr>
         <p:spPr>
           <a:xfrm>
-            <a:off x="6311900" y="4185006"/>
+            <a:off x="6869671" y="4149892"/>
             <a:ext cx="1399032" cy="337895"/>
           </a:xfrm>
-          <a:prstGeom prst="rect">
+          <a:prstGeom prst="roundRect">
             <a:avLst/>
           </a:prstGeom>
         </p:spPr>
@@ -3512,16 +3517,16 @@
       </p:sp>
       <p:sp>
         <p:nvSpPr>
-          <p:cNvPr id="18" name="Прямоугольник 17"/>
+          <p:cNvPr id="18" name="Скругленный прямоугольник 17"/>
           <p:cNvSpPr/>
           <p:nvPr/>
         </p:nvSpPr>
         <p:spPr>
           <a:xfrm>
-            <a:off x="8353957" y="176137"/>
+            <a:off x="8720768" y="176137"/>
             <a:ext cx="768096" cy="520700"/>
           </a:xfrm>
-          <a:prstGeom prst="rect">
+          <a:prstGeom prst="roundRect">
             <a:avLst/>
           </a:prstGeom>
         </p:spPr>
@@ -3553,7 +3558,7 @@
       </p:sp>
       <p:sp>
         <p:nvSpPr>
-          <p:cNvPr id="19" name="Прямоугольник 18"/>
+          <p:cNvPr id="19" name="Скругленный прямоугольник 18"/>
           <p:cNvSpPr/>
           <p:nvPr/>
         </p:nvSpPr>
@@ -3562,7 +3567,7 @@
             <a:off x="10547395" y="570262"/>
             <a:ext cx="1203158" cy="322179"/>
           </a:xfrm>
-          <a:prstGeom prst="rect">
+          <a:prstGeom prst="roundRect">
             <a:avLst/>
           </a:prstGeom>
         </p:spPr>
@@ -3595,7 +3600,7 @@
       </p:sp>
       <p:sp>
         <p:nvSpPr>
-          <p:cNvPr id="20" name="Прямоугольник 19"/>
+          <p:cNvPr id="20" name="Скругленный прямоугольник 19"/>
           <p:cNvSpPr/>
           <p:nvPr/>
         </p:nvSpPr>
@@ -3604,7 +3609,7 @@
             <a:off x="10547395" y="1094506"/>
             <a:ext cx="1020011" cy="318046"/>
           </a:xfrm>
-          <a:prstGeom prst="rect">
+          <a:prstGeom prst="roundRect">
             <a:avLst/>
           </a:prstGeom>
         </p:spPr>
@@ -3637,16 +3642,16 @@
       </p:sp>
       <p:sp>
         <p:nvSpPr>
-          <p:cNvPr id="21" name="Прямоугольник 20"/>
+          <p:cNvPr id="21" name="Скругленный прямоугольник 20"/>
           <p:cNvSpPr/>
           <p:nvPr/>
         </p:nvSpPr>
         <p:spPr>
           <a:xfrm>
             <a:off x="10547395" y="1659812"/>
-            <a:ext cx="1219200" cy="408101"/>
-          </a:xfrm>
-          <a:prstGeom prst="rect">
+            <a:ext cx="1313782" cy="408101"/>
+          </a:xfrm>
+          <a:prstGeom prst="roundRect">
             <a:avLst/>
           </a:prstGeom>
         </p:spPr>
@@ -3679,7 +3684,7 @@
       </p:sp>
       <p:sp>
         <p:nvSpPr>
-          <p:cNvPr id="22" name="Прямоугольник 21"/>
+          <p:cNvPr id="22" name="Скругленный прямоугольник 21"/>
           <p:cNvSpPr/>
           <p:nvPr/>
         </p:nvSpPr>
@@ -3688,7 +3693,7 @@
             <a:off x="10547395" y="2306552"/>
             <a:ext cx="1251285" cy="415544"/>
           </a:xfrm>
-          <a:prstGeom prst="rect">
+          <a:prstGeom prst="roundRect">
             <a:avLst/>
           </a:prstGeom>
         </p:spPr>
@@ -3721,7 +3726,7 @@
       </p:sp>
       <p:sp>
         <p:nvSpPr>
-          <p:cNvPr id="23" name="Прямоугольник 22"/>
+          <p:cNvPr id="23" name="Скругленный прямоугольник 22"/>
           <p:cNvSpPr/>
           <p:nvPr/>
         </p:nvSpPr>
@@ -3730,7 +3735,7 @@
             <a:off x="10547395" y="2987984"/>
             <a:ext cx="1235243" cy="391748"/>
           </a:xfrm>
-          <a:prstGeom prst="rect">
+          <a:prstGeom prst="roundRect">
             <a:avLst/>
           </a:prstGeom>
         </p:spPr>
@@ -3763,16 +3768,16 @@
       </p:sp>
       <p:sp>
         <p:nvSpPr>
-          <p:cNvPr id="24" name="Прямоугольник 23"/>
+          <p:cNvPr id="24" name="Скругленный прямоугольник 23"/>
           <p:cNvSpPr/>
           <p:nvPr/>
         </p:nvSpPr>
         <p:spPr>
           <a:xfrm>
             <a:off x="10553077" y="3705040"/>
-            <a:ext cx="1308100" cy="461819"/>
-          </a:xfrm>
-          <a:prstGeom prst="rect">
+            <a:ext cx="1399032" cy="461819"/>
+          </a:xfrm>
+          <a:prstGeom prst="roundRect">
             <a:avLst/>
           </a:prstGeom>
         </p:spPr>
@@ -3805,16 +3810,16 @@
       </p:sp>
       <p:sp>
         <p:nvSpPr>
-          <p:cNvPr id="25" name="Прямоугольник 24"/>
+          <p:cNvPr id="25" name="Скругленный прямоугольник 24"/>
           <p:cNvSpPr/>
           <p:nvPr/>
         </p:nvSpPr>
         <p:spPr>
           <a:xfrm>
             <a:off x="10553077" y="4380340"/>
-            <a:ext cx="1308100" cy="469900"/>
-          </a:xfrm>
-          <a:prstGeom prst="rect">
+            <a:ext cx="1399032" cy="469900"/>
+          </a:xfrm>
+          <a:prstGeom prst="roundRect">
             <a:avLst/>
           </a:prstGeom>
         </p:spPr>
@@ -3847,16 +3852,16 @@
       </p:sp>
       <p:sp>
         <p:nvSpPr>
-          <p:cNvPr id="26" name="Прямоугольник 25"/>
+          <p:cNvPr id="26" name="Скругленный прямоугольник 25"/>
           <p:cNvSpPr/>
           <p:nvPr/>
         </p:nvSpPr>
         <p:spPr>
           <a:xfrm>
-            <a:off x="390967" y="1168096"/>
-            <a:ext cx="1305622" cy="457200"/>
-          </a:xfrm>
-          <a:prstGeom prst="rect">
+            <a:off x="1544144" y="1164733"/>
+            <a:ext cx="1354341" cy="457200"/>
+          </a:xfrm>
+          <a:prstGeom prst="roundRect">
             <a:avLst/>
           </a:prstGeom>
         </p:spPr>
@@ -3889,16 +3894,16 @@
       </p:sp>
       <p:sp>
         <p:nvSpPr>
-          <p:cNvPr id="27" name="Прямоугольник 26"/>
+          <p:cNvPr id="27" name="Скругленный прямоугольник 26"/>
           <p:cNvSpPr/>
           <p:nvPr/>
         </p:nvSpPr>
         <p:spPr>
           <a:xfrm>
-            <a:off x="4372462" y="1168096"/>
+            <a:off x="5145794" y="1168096"/>
             <a:ext cx="1373834" cy="457200"/>
           </a:xfrm>
-          <a:prstGeom prst="rect">
+          <a:prstGeom prst="roundRect">
             <a:avLst/>
           </a:prstGeom>
         </p:spPr>
@@ -3931,16 +3936,16 @@
       </p:sp>
       <p:sp>
         <p:nvSpPr>
-          <p:cNvPr id="28" name="Прямоугольник 27"/>
+          <p:cNvPr id="28" name="Скругленный прямоугольник 27"/>
           <p:cNvSpPr/>
           <p:nvPr/>
         </p:nvSpPr>
         <p:spPr>
           <a:xfrm>
-            <a:off x="8358487" y="1007814"/>
+            <a:off x="8725298" y="1007814"/>
             <a:ext cx="1431527" cy="457200"/>
           </a:xfrm>
-          <a:prstGeom prst="rect">
+          <a:prstGeom prst="roundRect">
             <a:avLst/>
           </a:prstGeom>
         </p:spPr>
@@ -3973,16 +3978,16 @@
       </p:sp>
       <p:sp>
         <p:nvSpPr>
-          <p:cNvPr id="29" name="Прямоугольник 28"/>
+          <p:cNvPr id="29" name="Скругленный прямоугольник 28"/>
           <p:cNvSpPr/>
           <p:nvPr/>
         </p:nvSpPr>
         <p:spPr>
           <a:xfrm>
-            <a:off x="390967" y="1918246"/>
+            <a:off x="1544145" y="1914883"/>
             <a:ext cx="990600" cy="393616"/>
           </a:xfrm>
-          <a:prstGeom prst="rect">
+          <a:prstGeom prst="roundRect">
             <a:avLst/>
           </a:prstGeom>
         </p:spPr>
@@ -4015,16 +4020,16 @@
       </p:sp>
       <p:sp>
         <p:nvSpPr>
-          <p:cNvPr id="30" name="Прямоугольник 29"/>
+          <p:cNvPr id="30" name="Скругленный прямоугольник 29"/>
           <p:cNvSpPr/>
           <p:nvPr/>
         </p:nvSpPr>
         <p:spPr>
           <a:xfrm>
-            <a:off x="4372462" y="1918247"/>
+            <a:off x="5145794" y="1918247"/>
             <a:ext cx="786316" cy="393616"/>
           </a:xfrm>
-          <a:prstGeom prst="rect">
+          <a:prstGeom prst="roundRect">
             <a:avLst/>
           </a:prstGeom>
         </p:spPr>
@@ -4057,16 +4062,16 @@
       </p:sp>
       <p:sp>
         <p:nvSpPr>
-          <p:cNvPr id="31" name="Прямоугольник 30"/>
+          <p:cNvPr id="31" name="Скругленный прямоугольник 30"/>
           <p:cNvSpPr/>
           <p:nvPr/>
         </p:nvSpPr>
         <p:spPr>
           <a:xfrm>
-            <a:off x="8353957" y="1767805"/>
+            <a:off x="8720768" y="1767805"/>
             <a:ext cx="889695" cy="508000"/>
           </a:xfrm>
-          <a:prstGeom prst="rect">
+          <a:prstGeom prst="roundRect">
             <a:avLst/>
           </a:prstGeom>
         </p:spPr>
@@ -4100,21 +4105,18 @@
       <p:cxnSp>
         <p:nvCxnSpPr>
           <p:cNvPr id="37" name="Соединительная линия уступом 36"/>
-          <p:cNvCxnSpPr>
-            <a:stCxn id="5" idx="2"/>
-            <a:endCxn id="26" idx="1"/>
-          </p:cNvCxnSpPr>
+          <p:cNvCxnSpPr/>
           <p:nvPr/>
         </p:nvCxnSpPr>
         <p:spPr>
           <a:xfrm rot="5400000">
-            <a:off x="353019" y="863448"/>
+            <a:off x="1506197" y="860085"/>
             <a:ext cx="571196" cy="495300"/>
           </a:xfrm>
           <a:prstGeom prst="bentConnector4">
             <a:avLst>
               <a:gd name="adj1" fmla="val 29989"/>
-              <a:gd name="adj2" fmla="val 146154"/>
+              <a:gd name="adj2" fmla="val 121154"/>
             </a:avLst>
           </a:prstGeom>
         </p:spPr>
@@ -4136,21 +4138,18 @@
       <p:cxnSp>
         <p:nvCxnSpPr>
           <p:cNvPr id="41" name="Соединительная линия уступом 40"/>
-          <p:cNvCxnSpPr>
-            <a:stCxn id="5" idx="2"/>
-            <a:endCxn id="29" idx="1"/>
-          </p:cNvCxnSpPr>
+          <p:cNvCxnSpPr/>
           <p:nvPr/>
         </p:nvCxnSpPr>
         <p:spPr>
           <a:xfrm rot="5400000">
-            <a:off x="-6160" y="1222627"/>
+            <a:off x="1147018" y="1219264"/>
             <a:ext cx="1289554" cy="495300"/>
           </a:xfrm>
           <a:prstGeom prst="bentConnector4">
             <a:avLst>
               <a:gd name="adj1" fmla="val 12824"/>
-              <a:gd name="adj2" fmla="val 146154"/>
+              <a:gd name="adj2" fmla="val 121154"/>
             </a:avLst>
           </a:prstGeom>
         </p:spPr>
@@ -4172,19 +4171,18 @@
       <p:cxnSp>
         <p:nvCxnSpPr>
           <p:cNvPr id="44" name="Соединительная линия уступом 43"/>
-          <p:cNvCxnSpPr>
-            <a:stCxn id="5" idx="3"/>
-            <a:endCxn id="6" idx="1"/>
-          </p:cNvCxnSpPr>
+          <p:cNvCxnSpPr/>
           <p:nvPr/>
         </p:nvCxnSpPr>
         <p:spPr>
           <a:xfrm>
-            <a:off x="1381567" y="502500"/>
+            <a:off x="2534745" y="499137"/>
             <a:ext cx="813929" cy="243097"/>
           </a:xfrm>
           <a:prstGeom prst="bentConnector3">
-            <a:avLst/>
+            <a:avLst>
+              <a:gd name="adj1" fmla="val 65603"/>
+            </a:avLst>
           </a:prstGeom>
         </p:spPr>
         <p:style>
@@ -4205,19 +4203,18 @@
       <p:cxnSp>
         <p:nvCxnSpPr>
           <p:cNvPr id="46" name="Соединительная линия уступом 45"/>
-          <p:cNvCxnSpPr>
-            <a:stCxn id="5" idx="3"/>
-            <a:endCxn id="7" idx="1"/>
-          </p:cNvCxnSpPr>
+          <p:cNvCxnSpPr/>
           <p:nvPr/>
         </p:nvCxnSpPr>
         <p:spPr>
           <a:xfrm>
-            <a:off x="1381567" y="502500"/>
+            <a:off x="2534745" y="499137"/>
             <a:ext cx="826629" cy="733914"/>
           </a:xfrm>
           <a:prstGeom prst="bentConnector3">
-            <a:avLst/>
+            <a:avLst>
+              <a:gd name="adj1" fmla="val 65364"/>
+            </a:avLst>
           </a:prstGeom>
         </p:spPr>
         <p:style>
@@ -4238,19 +4235,18 @@
       <p:cxnSp>
         <p:nvCxnSpPr>
           <p:cNvPr id="48" name="Соединительная линия уступом 47"/>
-          <p:cNvCxnSpPr>
-            <a:stCxn id="5" idx="3"/>
-            <a:endCxn id="8" idx="1"/>
-          </p:cNvCxnSpPr>
+          <p:cNvCxnSpPr/>
           <p:nvPr/>
         </p:nvCxnSpPr>
         <p:spPr>
           <a:xfrm>
-            <a:off x="1381567" y="502500"/>
+            <a:off x="2534745" y="499137"/>
             <a:ext cx="823754" cy="1219519"/>
           </a:xfrm>
           <a:prstGeom prst="bentConnector3">
-            <a:avLst/>
+            <a:avLst>
+              <a:gd name="adj1" fmla="val 65417"/>
+            </a:avLst>
           </a:prstGeom>
         </p:spPr>
         <p:style>
@@ -4271,19 +4267,18 @@
       <p:cxnSp>
         <p:nvCxnSpPr>
           <p:cNvPr id="50" name="Соединительная линия уступом 49"/>
-          <p:cNvCxnSpPr>
-            <a:stCxn id="5" idx="3"/>
-            <a:endCxn id="9" idx="1"/>
-          </p:cNvCxnSpPr>
+          <p:cNvCxnSpPr/>
           <p:nvPr/>
         </p:nvCxnSpPr>
         <p:spPr>
           <a:xfrm>
-            <a:off x="1381567" y="502500"/>
+            <a:off x="2534745" y="499137"/>
             <a:ext cx="813929" cy="1739985"/>
           </a:xfrm>
           <a:prstGeom prst="bentConnector3">
-            <a:avLst/>
+            <a:avLst>
+              <a:gd name="adj1" fmla="val 65603"/>
+            </a:avLst>
           </a:prstGeom>
         </p:spPr>
         <p:style>
@@ -4304,21 +4299,18 @@
       <p:cxnSp>
         <p:nvCxnSpPr>
           <p:cNvPr id="58" name="Соединительная линия уступом 57"/>
-          <p:cNvCxnSpPr>
-            <a:stCxn id="10" idx="2"/>
-            <a:endCxn id="27" idx="1"/>
-          </p:cNvCxnSpPr>
+          <p:cNvCxnSpPr/>
           <p:nvPr/>
         </p:nvCxnSpPr>
         <p:spPr>
           <a:xfrm rot="5400000">
-            <a:off x="4329251" y="858184"/>
+            <a:off x="5102583" y="858184"/>
             <a:ext cx="581723" cy="495300"/>
           </a:xfrm>
           <a:prstGeom prst="bentConnector4">
             <a:avLst>
               <a:gd name="adj1" fmla="val 30351"/>
-              <a:gd name="adj2" fmla="val 146154"/>
+              <a:gd name="adj2" fmla="val 125000"/>
             </a:avLst>
           </a:prstGeom>
         </p:spPr>
@@ -4340,21 +4332,18 @@
       <p:cxnSp>
         <p:nvCxnSpPr>
           <p:cNvPr id="60" name="Соединительная линия уступом 59"/>
-          <p:cNvCxnSpPr>
-            <a:stCxn id="10" idx="2"/>
-            <a:endCxn id="30" idx="1"/>
-          </p:cNvCxnSpPr>
+          <p:cNvCxnSpPr/>
           <p:nvPr/>
         </p:nvCxnSpPr>
         <p:spPr>
           <a:xfrm rot="5400000">
-            <a:off x="3970071" y="1217364"/>
+            <a:off x="4743403" y="1217364"/>
             <a:ext cx="1300082" cy="495300"/>
           </a:xfrm>
           <a:prstGeom prst="bentConnector4">
             <a:avLst>
               <a:gd name="adj1" fmla="val 13125"/>
-              <a:gd name="adj2" fmla="val 146154"/>
+              <a:gd name="adj2" fmla="val 125000"/>
             </a:avLst>
           </a:prstGeom>
         </p:spPr>
@@ -4384,11 +4373,13 @@
         </p:nvCxnSpPr>
         <p:spPr>
           <a:xfrm>
-            <a:off x="5363062" y="497237"/>
-            <a:ext cx="948838" cy="146050"/>
+            <a:off x="6136394" y="497237"/>
+            <a:ext cx="733277" cy="110936"/>
           </a:xfrm>
           <a:prstGeom prst="bentConnector3">
-            <a:avLst/>
+            <a:avLst>
+              <a:gd name="adj1" fmla="val 72515"/>
+            </a:avLst>
           </a:prstGeom>
         </p:spPr>
         <p:style>
@@ -4417,11 +4408,13 @@
         </p:nvCxnSpPr>
         <p:spPr>
           <a:xfrm>
-            <a:off x="5363062" y="497237"/>
-            <a:ext cx="950676" cy="2650440"/>
+            <a:off x="6136394" y="497237"/>
+            <a:ext cx="735115" cy="2615326"/>
           </a:xfrm>
           <a:prstGeom prst="bentConnector3">
-            <a:avLst/>
+            <a:avLst>
+              <a:gd name="adj1" fmla="val 74187"/>
+            </a:avLst>
           </a:prstGeom>
         </p:spPr>
         <p:style>
@@ -4450,11 +4443,13 @@
         </p:nvCxnSpPr>
         <p:spPr>
           <a:xfrm>
-            <a:off x="5363062" y="497237"/>
-            <a:ext cx="948838" cy="1412041"/>
+            <a:off x="6136394" y="497237"/>
+            <a:ext cx="733277" cy="1376927"/>
           </a:xfrm>
           <a:prstGeom prst="bentConnector3">
-            <a:avLst/>
+            <a:avLst>
+              <a:gd name="adj1" fmla="val 74247"/>
+            </a:avLst>
           </a:prstGeom>
         </p:spPr>
         <p:style>
@@ -4483,11 +4478,13 @@
         </p:nvCxnSpPr>
         <p:spPr>
           <a:xfrm>
-            <a:off x="5363062" y="497237"/>
-            <a:ext cx="948838" cy="2054243"/>
+            <a:off x="6136394" y="497237"/>
+            <a:ext cx="733277" cy="2019129"/>
           </a:xfrm>
           <a:prstGeom prst="bentConnector3">
-            <a:avLst/>
+            <a:avLst>
+              <a:gd name="adj1" fmla="val 74247"/>
+            </a:avLst>
           </a:prstGeom>
         </p:spPr>
         <p:style>
@@ -4516,11 +4513,13 @@
         </p:nvCxnSpPr>
         <p:spPr>
           <a:xfrm>
-            <a:off x="5363062" y="497237"/>
-            <a:ext cx="948838" cy="728554"/>
+            <a:off x="6136394" y="497237"/>
+            <a:ext cx="733277" cy="693440"/>
           </a:xfrm>
           <a:prstGeom prst="bentConnector3">
-            <a:avLst/>
+            <a:avLst>
+              <a:gd name="adj1" fmla="val 74247"/>
+            </a:avLst>
           </a:prstGeom>
         </p:spPr>
         <p:style>
@@ -4549,11 +4548,13 @@
         </p:nvCxnSpPr>
         <p:spPr>
           <a:xfrm>
-            <a:off x="5363062" y="497237"/>
-            <a:ext cx="948838" cy="3257946"/>
+            <a:off x="6136394" y="497237"/>
+            <a:ext cx="733277" cy="3222832"/>
           </a:xfrm>
           <a:prstGeom prst="bentConnector3">
-            <a:avLst/>
+            <a:avLst>
+              <a:gd name="adj1" fmla="val 74247"/>
+            </a:avLst>
           </a:prstGeom>
         </p:spPr>
         <p:style>
@@ -4582,11 +4583,13 @@
         </p:nvCxnSpPr>
         <p:spPr>
           <a:xfrm>
-            <a:off x="5363062" y="497237"/>
-            <a:ext cx="948838" cy="3856717"/>
+            <a:off x="6136394" y="497237"/>
+            <a:ext cx="733277" cy="3821603"/>
           </a:xfrm>
           <a:prstGeom prst="bentConnector3">
-            <a:avLst/>
+            <a:avLst>
+              <a:gd name="adj1" fmla="val 74247"/>
+            </a:avLst>
           </a:prstGeom>
         </p:spPr>
         <p:style>
@@ -4607,15 +4610,12 @@
       <p:cxnSp>
         <p:nvCxnSpPr>
           <p:cNvPr id="78" name="Соединительная линия уступом 77"/>
-          <p:cNvCxnSpPr>
-            <a:stCxn id="18" idx="2"/>
-            <a:endCxn id="28" idx="1"/>
-          </p:cNvCxnSpPr>
+          <p:cNvCxnSpPr/>
           <p:nvPr/>
         </p:nvCxnSpPr>
         <p:spPr>
           <a:xfrm rot="5400000">
-            <a:off x="8278458" y="776866"/>
+            <a:off x="8645269" y="776866"/>
             <a:ext cx="539577" cy="379518"/>
           </a:xfrm>
           <a:prstGeom prst="bentConnector4">
@@ -4643,15 +4643,12 @@
       <p:cxnSp>
         <p:nvCxnSpPr>
           <p:cNvPr id="80" name="Соединительная линия уступом 79"/>
-          <p:cNvCxnSpPr>
-            <a:stCxn id="18" idx="2"/>
-            <a:endCxn id="31" idx="1"/>
-          </p:cNvCxnSpPr>
+          <p:cNvCxnSpPr/>
           <p:nvPr/>
         </p:nvCxnSpPr>
         <p:spPr>
           <a:xfrm rot="5400000">
-            <a:off x="7883497" y="1167297"/>
+            <a:off x="8250308" y="1167297"/>
             <a:ext cx="1324968" cy="384048"/>
           </a:xfrm>
           <a:prstGeom prst="bentConnector4">
@@ -4687,12 +4684,12 @@
         </p:nvCxnSpPr>
         <p:spPr>
           <a:xfrm>
-            <a:off x="9122053" y="436487"/>
-            <a:ext cx="1425342" cy="294865"/>
+            <a:off x="9488864" y="436487"/>
+            <a:ext cx="1058531" cy="294865"/>
           </a:xfrm>
           <a:prstGeom prst="bentConnector3">
             <a:avLst>
-              <a:gd name="adj1" fmla="val 50000"/>
+              <a:gd name="adj1" fmla="val 76395"/>
             </a:avLst>
           </a:prstGeom>
         </p:spPr>
@@ -4722,12 +4719,12 @@
         </p:nvCxnSpPr>
         <p:spPr>
           <a:xfrm>
-            <a:off x="9122053" y="436487"/>
-            <a:ext cx="1425342" cy="817042"/>
+            <a:off x="9488864" y="436487"/>
+            <a:ext cx="1058531" cy="817042"/>
           </a:xfrm>
           <a:prstGeom prst="bentConnector3">
             <a:avLst>
-              <a:gd name="adj1" fmla="val 50000"/>
+              <a:gd name="adj1" fmla="val 76395"/>
             </a:avLst>
           </a:prstGeom>
         </p:spPr>
@@ -4757,12 +4754,12 @@
         </p:nvCxnSpPr>
         <p:spPr>
           <a:xfrm>
-            <a:off x="9122053" y="436487"/>
-            <a:ext cx="1425342" cy="1427376"/>
+            <a:off x="9488864" y="436487"/>
+            <a:ext cx="1058531" cy="1427376"/>
           </a:xfrm>
           <a:prstGeom prst="bentConnector3">
             <a:avLst>
-              <a:gd name="adj1" fmla="val 50000"/>
+              <a:gd name="adj1" fmla="val 76395"/>
             </a:avLst>
           </a:prstGeom>
         </p:spPr>
@@ -4792,12 +4789,12 @@
         </p:nvCxnSpPr>
         <p:spPr>
           <a:xfrm>
-            <a:off x="9122053" y="436487"/>
-            <a:ext cx="1425342" cy="2077837"/>
+            <a:off x="9488864" y="436487"/>
+            <a:ext cx="1058531" cy="2077837"/>
           </a:xfrm>
           <a:prstGeom prst="bentConnector3">
             <a:avLst>
-              <a:gd name="adj1" fmla="val 50000"/>
+              <a:gd name="adj1" fmla="val 76395"/>
             </a:avLst>
           </a:prstGeom>
         </p:spPr>
@@ -4827,12 +4824,12 @@
         </p:nvCxnSpPr>
         <p:spPr>
           <a:xfrm>
-            <a:off x="9122053" y="436487"/>
-            <a:ext cx="1425342" cy="2747371"/>
+            <a:off x="9488864" y="436487"/>
+            <a:ext cx="1058531" cy="2747371"/>
           </a:xfrm>
           <a:prstGeom prst="bentConnector3">
             <a:avLst>
-              <a:gd name="adj1" fmla="val 50000"/>
+              <a:gd name="adj1" fmla="val 76395"/>
             </a:avLst>
           </a:prstGeom>
         </p:spPr>
@@ -4862,12 +4859,12 @@
         </p:nvCxnSpPr>
         <p:spPr>
           <a:xfrm>
-            <a:off x="9122053" y="436487"/>
-            <a:ext cx="1431024" cy="4178803"/>
+            <a:off x="9488864" y="436487"/>
+            <a:ext cx="1064213" cy="4178803"/>
           </a:xfrm>
           <a:prstGeom prst="bentConnector3">
             <a:avLst>
-              <a:gd name="adj1" fmla="val 50000"/>
+              <a:gd name="adj1" fmla="val 76254"/>
             </a:avLst>
           </a:prstGeom>
         </p:spPr>
@@ -4897,12 +4894,12 @@
         </p:nvCxnSpPr>
         <p:spPr>
           <a:xfrm>
-            <a:off x="9122053" y="436487"/>
-            <a:ext cx="1431024" cy="3499463"/>
+            <a:off x="9488864" y="436487"/>
+            <a:ext cx="1064213" cy="3499463"/>
           </a:xfrm>
           <a:prstGeom prst="bentConnector3">
             <a:avLst>
-              <a:gd name="adj1" fmla="val 50000"/>
+              <a:gd name="adj1" fmla="val 76254"/>
             </a:avLst>
           </a:prstGeom>
         </p:spPr>
@@ -4923,7 +4920,7 @@
       </p:cxnSp>
       <p:cxnSp>
         <p:nvCxnSpPr>
-          <p:cNvPr id="132" name="Соединительная линия уступом 131"/>
+          <p:cNvPr id="34" name="Соединительная линия уступом 33"/>
           <p:cNvCxnSpPr>
             <a:stCxn id="6" idx="3"/>
             <a:endCxn id="10" idx="1"/>
@@ -4932,14 +4929,15 @@
         </p:nvCxnSpPr>
         <p:spPr>
           <a:xfrm flipV="1">
-            <a:off x="2809688" y="497237"/>
-            <a:ext cx="1562774" cy="248360"/>
+            <a:off x="3962866" y="497237"/>
+            <a:ext cx="1182928" cy="244997"/>
           </a:xfrm>
           <a:prstGeom prst="bentConnector3">
-            <a:avLst>
-              <a:gd name="adj1" fmla="val 50000"/>
-            </a:avLst>
-          </a:prstGeom>
+            <a:avLst/>
+          </a:prstGeom>
+          <a:ln>
+            <a:tailEnd type="triangle"/>
+          </a:ln>
         </p:spPr>
         <p:style>
           <a:lnRef idx="1">
@@ -4958,7 +4956,7 @@
       </p:cxnSp>
       <p:cxnSp>
         <p:nvCxnSpPr>
-          <p:cNvPr id="141" name="Соединительная линия уступом 140"/>
+          <p:cNvPr id="36" name="Соединительная линия уступом 35"/>
           <p:cNvCxnSpPr>
             <a:stCxn id="7" idx="3"/>
             <a:endCxn id="10" idx="1"/>
@@ -4967,14 +4965,15 @@
         </p:nvCxnSpPr>
         <p:spPr>
           <a:xfrm flipV="1">
-            <a:off x="2809688" y="497237"/>
-            <a:ext cx="1562774" cy="739177"/>
+            <a:off x="3962866" y="497237"/>
+            <a:ext cx="1182928" cy="735814"/>
           </a:xfrm>
           <a:prstGeom prst="bentConnector3">
-            <a:avLst>
-              <a:gd name="adj1" fmla="val 50000"/>
-            </a:avLst>
-          </a:prstGeom>
+            <a:avLst/>
+          </a:prstGeom>
+          <a:ln>
+            <a:tailEnd type="triangle"/>
+          </a:ln>
         </p:spPr>
         <p:style>
           <a:lnRef idx="1">
@@ -4993,23 +4992,25 @@
       </p:cxnSp>
       <p:cxnSp>
         <p:nvCxnSpPr>
-          <p:cNvPr id="144" name="Соединительная линия уступом 143"/>
+          <p:cNvPr id="39" name="Соединительная линия уступом 38"/>
           <p:cNvCxnSpPr>
             <a:stCxn id="8" idx="3"/>
-            <a:endCxn id="16" idx="1"/>
           </p:cNvCxnSpPr>
           <p:nvPr/>
         </p:nvCxnSpPr>
         <p:spPr>
           <a:xfrm>
-            <a:off x="3513421" y="1722019"/>
-            <a:ext cx="2798479" cy="2033164"/>
+            <a:off x="4748125" y="1718656"/>
+            <a:ext cx="2119708" cy="1877017"/>
           </a:xfrm>
           <a:prstGeom prst="bentConnector3">
             <a:avLst>
-              <a:gd name="adj1" fmla="val 11879"/>
+              <a:gd name="adj1" fmla="val 8659"/>
             </a:avLst>
           </a:prstGeom>
+          <a:ln>
+            <a:tailEnd type="triangle"/>
+          </a:ln>
         </p:spPr>
         <p:style>
           <a:lnRef idx="1">
@@ -5028,23 +5029,25 @@
       </p:cxnSp>
       <p:cxnSp>
         <p:nvCxnSpPr>
-          <p:cNvPr id="147" name="Соединительная линия уступом 146"/>
+          <p:cNvPr id="43" name="Соединительная линия уступом 42"/>
           <p:cNvCxnSpPr>
             <a:stCxn id="9" idx="3"/>
-            <a:endCxn id="17" idx="1"/>
           </p:cNvCxnSpPr>
           <p:nvPr/>
         </p:nvCxnSpPr>
         <p:spPr>
           <a:xfrm>
-            <a:off x="3503596" y="2242485"/>
-            <a:ext cx="2808304" cy="2111469"/>
+            <a:off x="4728182" y="2255577"/>
+            <a:ext cx="2142324" cy="1948931"/>
           </a:xfrm>
           <a:prstGeom prst="bentConnector3">
             <a:avLst>
-              <a:gd name="adj1" fmla="val 8395"/>
+              <a:gd name="adj1" fmla="val 5094"/>
             </a:avLst>
           </a:prstGeom>
+          <a:ln>
+            <a:tailEnd type="triangle"/>
+          </a:ln>
         </p:spPr>
         <p:style>
           <a:lnRef idx="1">
@@ -5063,7 +5066,77 @@
       </p:cxnSp>
       <p:cxnSp>
         <p:nvCxnSpPr>
-          <p:cNvPr id="152" name="Соединительная линия уступом 151"/>
+          <p:cNvPr id="51" name="Соединительная линия уступом 50"/>
+          <p:cNvCxnSpPr>
+            <a:stCxn id="16" idx="3"/>
+          </p:cNvCxnSpPr>
+          <p:nvPr/>
+        </p:nvCxnSpPr>
+        <p:spPr>
+          <a:xfrm>
+            <a:off x="8268703" y="3720069"/>
+            <a:ext cx="2836463" cy="321517"/>
+          </a:xfrm>
+          <a:prstGeom prst="bentConnector3">
+            <a:avLst/>
+          </a:prstGeom>
+          <a:ln>
+            <a:tailEnd type="triangle"/>
+          </a:ln>
+        </p:spPr>
+        <p:style>
+          <a:lnRef idx="1">
+            <a:schemeClr val="dk1"/>
+          </a:lnRef>
+          <a:fillRef idx="0">
+            <a:schemeClr val="dk1"/>
+          </a:fillRef>
+          <a:effectRef idx="0">
+            <a:schemeClr val="dk1"/>
+          </a:effectRef>
+          <a:fontRef idx="minor">
+            <a:schemeClr val="tx1"/>
+          </a:fontRef>
+        </p:style>
+      </p:cxnSp>
+      <p:cxnSp>
+        <p:nvCxnSpPr>
+          <p:cNvPr id="53" name="Соединительная линия уступом 52"/>
+          <p:cNvCxnSpPr>
+            <a:stCxn id="17" idx="3"/>
+          </p:cNvCxnSpPr>
+          <p:nvPr/>
+        </p:nvCxnSpPr>
+        <p:spPr>
+          <a:xfrm>
+            <a:off x="8268703" y="4318840"/>
+            <a:ext cx="2836463" cy="383146"/>
+          </a:xfrm>
+          <a:prstGeom prst="bentConnector3">
+            <a:avLst/>
+          </a:prstGeom>
+          <a:ln>
+            <a:tailEnd type="triangle"/>
+          </a:ln>
+        </p:spPr>
+        <p:style>
+          <a:lnRef idx="1">
+            <a:schemeClr val="dk1"/>
+          </a:lnRef>
+          <a:fillRef idx="0">
+            <a:schemeClr val="dk1"/>
+          </a:fillRef>
+          <a:effectRef idx="0">
+            <a:schemeClr val="dk1"/>
+          </a:effectRef>
+          <a:fontRef idx="minor">
+            <a:schemeClr val="tx1"/>
+          </a:fontRef>
+        </p:style>
+      </p:cxnSp>
+      <p:cxnSp>
+        <p:nvCxnSpPr>
+          <p:cNvPr id="55" name="Соединительная линия уступом 54"/>
           <p:cNvCxnSpPr>
             <a:stCxn id="14" idx="3"/>
             <a:endCxn id="18" idx="1"/>
@@ -5072,12 +5145,15 @@
         </p:nvCxnSpPr>
         <p:spPr>
           <a:xfrm flipV="1">
-            <a:off x="7556500" y="436487"/>
-            <a:ext cx="797457" cy="2114993"/>
+            <a:off x="8114271" y="436487"/>
+            <a:ext cx="606497" cy="2079879"/>
           </a:xfrm>
           <a:prstGeom prst="bentConnector3">
             <a:avLst/>
           </a:prstGeom>
+          <a:ln>
+            <a:tailEnd type="triangle"/>
+          </a:ln>
         </p:spPr>
         <p:style>
           <a:lnRef idx="1">
@@ -5096,7 +5172,7 @@
       </p:cxnSp>
       <p:cxnSp>
         <p:nvCxnSpPr>
-          <p:cNvPr id="154" name="Соединительная линия уступом 153"/>
+          <p:cNvPr id="57" name="Соединительная линия уступом 56"/>
           <p:cNvCxnSpPr>
             <a:stCxn id="12" idx="3"/>
             <a:endCxn id="18" idx="1"/>
@@ -5105,12 +5181,135 @@
         </p:nvCxnSpPr>
         <p:spPr>
           <a:xfrm flipV="1">
-            <a:off x="7558338" y="436487"/>
-            <a:ext cx="795619" cy="2711190"/>
+            <a:off x="8116109" y="436487"/>
+            <a:ext cx="604659" cy="2676076"/>
           </a:xfrm>
           <a:prstGeom prst="bentConnector3">
             <a:avLst/>
           </a:prstGeom>
+          <a:ln>
+            <a:tailEnd type="triangle"/>
+          </a:ln>
+        </p:spPr>
+        <p:style>
+          <a:lnRef idx="1">
+            <a:schemeClr val="dk1"/>
+          </a:lnRef>
+          <a:fillRef idx="0">
+            <a:schemeClr val="dk1"/>
+          </a:fillRef>
+          <a:effectRef idx="0">
+            <a:schemeClr val="dk1"/>
+          </a:effectRef>
+          <a:fontRef idx="minor">
+            <a:schemeClr val="tx1"/>
+          </a:fontRef>
+        </p:style>
+      </p:cxnSp>
+      <p:sp>
+        <p:nvSpPr>
+          <p:cNvPr id="59" name="Скругленный прямоугольник 58"/>
+          <p:cNvSpPr/>
+          <p:nvPr/>
+        </p:nvSpPr>
+        <p:spPr>
+          <a:xfrm>
+            <a:off x="29082" y="287166"/>
+            <a:ext cx="901700" cy="420140"/>
+          </a:xfrm>
+          <a:prstGeom prst="roundRect">
+            <a:avLst/>
+          </a:prstGeom>
+        </p:spPr>
+        <p:style>
+          <a:lnRef idx="2">
+            <a:schemeClr val="dk1"/>
+          </a:lnRef>
+          <a:fillRef idx="1">
+            <a:schemeClr val="lt1"/>
+          </a:fillRef>
+          <a:effectRef idx="0">
+            <a:schemeClr val="dk1"/>
+          </a:effectRef>
+          <a:fontRef idx="minor">
+            <a:schemeClr val="dk1"/>
+          </a:fontRef>
+        </p:style>
+        <p:txBody>
+          <a:bodyPr rtlCol="0" anchor="ctr"/>
+          <a:lstStyle/>
+          <a:p>
+            <a:pPr algn="ctr"/>
+            <a:r>
+              <a:rPr lang="en-US" dirty="0" smtClean="0"/>
+              <a:t>main</a:t>
+            </a:r>
+            <a:endParaRPr lang="ru-RU" dirty="0"/>
+          </a:p>
+        </p:txBody>
+      </p:sp>
+      <p:sp>
+        <p:nvSpPr>
+          <p:cNvPr id="61" name="Скругленный прямоугольник 60"/>
+          <p:cNvSpPr/>
+          <p:nvPr/>
+        </p:nvSpPr>
+        <p:spPr>
+          <a:xfrm>
+            <a:off x="28265" y="1405879"/>
+            <a:ext cx="1198379" cy="538590"/>
+          </a:xfrm>
+          <a:prstGeom prst="roundRect">
+            <a:avLst/>
+          </a:prstGeom>
+        </p:spPr>
+        <p:style>
+          <a:lnRef idx="2">
+            <a:schemeClr val="dk1"/>
+          </a:lnRef>
+          <a:fillRef idx="1">
+            <a:schemeClr val="lt1"/>
+          </a:fillRef>
+          <a:effectRef idx="0">
+            <a:schemeClr val="dk1"/>
+          </a:effectRef>
+          <a:fontRef idx="minor">
+            <a:schemeClr val="dk1"/>
+          </a:fontRef>
+        </p:style>
+        <p:txBody>
+          <a:bodyPr rtlCol="0" anchor="ctr"/>
+          <a:lstStyle/>
+          <a:p>
+            <a:pPr algn="ctr"/>
+            <a:r>
+              <a:rPr lang="en-US" dirty="0" smtClean="0"/>
+              <a:t>Matrix Generator</a:t>
+            </a:r>
+            <a:endParaRPr lang="ru-RU" dirty="0"/>
+          </a:p>
+        </p:txBody>
+      </p:sp>
+      <p:cxnSp>
+        <p:nvCxnSpPr>
+          <p:cNvPr id="149" name="Прямая со стрелкой 148"/>
+          <p:cNvCxnSpPr>
+            <a:stCxn id="59" idx="3"/>
+            <a:endCxn id="5" idx="1"/>
+          </p:cNvCxnSpPr>
+          <p:nvPr/>
+        </p:nvCxnSpPr>
+        <p:spPr>
+          <a:xfrm>
+            <a:off x="930782" y="497236"/>
+            <a:ext cx="613363" cy="1901"/>
+          </a:xfrm>
+          <a:prstGeom prst="straightConnector1">
+            <a:avLst/>
+          </a:prstGeom>
+          <a:ln>
+            <a:tailEnd type="triangle"/>
+          </a:ln>
         </p:spPr>
         <p:style>
           <a:lnRef idx="1">
@@ -5129,21 +5328,24 @@
       </p:cxnSp>
       <p:cxnSp>
         <p:nvCxnSpPr>
-          <p:cNvPr id="156" name="Соединительная линия уступом 155"/>
+          <p:cNvPr id="153" name="Соединительная линия уступом 152"/>
           <p:cNvCxnSpPr>
-            <a:stCxn id="16" idx="3"/>
-            <a:endCxn id="24" idx="1"/>
+            <a:stCxn id="59" idx="2"/>
+            <a:endCxn id="61" idx="0"/>
           </p:cNvCxnSpPr>
           <p:nvPr/>
         </p:nvCxnSpPr>
         <p:spPr>
-          <a:xfrm>
-            <a:off x="7710932" y="3755183"/>
-            <a:ext cx="2842145" cy="180767"/>
+          <a:xfrm rot="16200000" flipH="1">
+            <a:off x="204407" y="982830"/>
+            <a:ext cx="698573" cy="147523"/>
           </a:xfrm>
           <a:prstGeom prst="bentConnector3">
             <a:avLst/>
           </a:prstGeom>
+          <a:ln>
+            <a:tailEnd type="triangle"/>
+          </a:ln>
         </p:spPr>
         <p:style>
           <a:lnRef idx="1">
@@ -5162,21 +5364,24 @@
       </p:cxnSp>
       <p:cxnSp>
         <p:nvCxnSpPr>
-          <p:cNvPr id="158" name="Соединительная линия уступом 157"/>
+          <p:cNvPr id="157" name="Соединительная линия уступом 156"/>
           <p:cNvCxnSpPr>
-            <a:stCxn id="17" idx="3"/>
-            <a:endCxn id="25" idx="1"/>
+            <a:stCxn id="61" idx="3"/>
+            <a:endCxn id="5" idx="1"/>
           </p:cNvCxnSpPr>
           <p:nvPr/>
         </p:nvCxnSpPr>
         <p:spPr>
-          <a:xfrm>
-            <a:off x="7710932" y="4353954"/>
-            <a:ext cx="2842145" cy="261336"/>
+          <a:xfrm flipV="1">
+            <a:off x="1226644" y="499137"/>
+            <a:ext cx="317501" cy="1176037"/>
           </a:xfrm>
           <a:prstGeom prst="bentConnector3">
             <a:avLst/>
           </a:prstGeom>
+          <a:ln>
+            <a:tailEnd type="triangle"/>
+          </a:ln>
         </p:spPr>
         <p:style>
           <a:lnRef idx="1">

--- a/schema.pptx
+++ b/schema.pptx
@@ -104,6 +104,11 @@
       </a:defRPr>
     </a:lvl9pPr>
   </p:defaultTextStyle>
+  <p:extLst>
+    <p:ext uri="{EFAFB233-063F-42B5-8137-9DF3F51BA10A}">
+      <p15:sldGuideLst xmlns:p15="http://schemas.microsoft.com/office/powerpoint/2012/main"/>
+    </p:ext>
+  </p:extLst>
 </p:presentation>
 </file>
 
@@ -2966,16 +2971,16 @@
       </p:grpSpPr>
       <p:sp>
         <p:nvSpPr>
-          <p:cNvPr id="5" name="Прямоугольник 4"/>
+          <p:cNvPr id="5" name="Скругленный прямоугольник 4"/>
           <p:cNvSpPr/>
           <p:nvPr/>
         </p:nvSpPr>
         <p:spPr>
           <a:xfrm>
-            <a:off x="390967" y="179500"/>
+            <a:off x="2152093" y="155800"/>
             <a:ext cx="990600" cy="646000"/>
           </a:xfrm>
-          <a:prstGeom prst="rect">
+          <a:prstGeom prst="roundRect">
             <a:avLst/>
           </a:prstGeom>
         </p:spPr>
@@ -3008,16 +3013,16 @@
       </p:sp>
       <p:sp>
         <p:nvSpPr>
-          <p:cNvPr id="6" name="Прямоугольник 5"/>
+          <p:cNvPr id="6" name="Скругленный прямоугольник 5"/>
           <p:cNvSpPr/>
           <p:nvPr/>
         </p:nvSpPr>
         <p:spPr>
           <a:xfrm>
-            <a:off x="2195496" y="589719"/>
+            <a:off x="3702453" y="566019"/>
             <a:ext cx="614192" cy="311756"/>
           </a:xfrm>
-          <a:prstGeom prst="rect">
+          <a:prstGeom prst="roundRect">
             <a:avLst/>
           </a:prstGeom>
         </p:spPr>
@@ -3050,16 +3055,16 @@
       </p:sp>
       <p:sp>
         <p:nvSpPr>
-          <p:cNvPr id="7" name="Прямоугольник 6"/>
+          <p:cNvPr id="7" name="Скругленный прямоугольник 6"/>
           <p:cNvSpPr/>
           <p:nvPr/>
         </p:nvSpPr>
         <p:spPr>
           <a:xfrm>
-            <a:off x="2208196" y="1075324"/>
+            <a:off x="3715153" y="1051624"/>
             <a:ext cx="601492" cy="322179"/>
           </a:xfrm>
-          <a:prstGeom prst="rect">
+          <a:prstGeom prst="roundRect">
             <a:avLst/>
           </a:prstGeom>
         </p:spPr>
@@ -3092,16 +3097,16 @@
       </p:sp>
       <p:sp>
         <p:nvSpPr>
-          <p:cNvPr id="8" name="Прямоугольник 7"/>
+          <p:cNvPr id="8" name="Скругленный прямоугольник 7"/>
           <p:cNvSpPr/>
           <p:nvPr/>
         </p:nvSpPr>
         <p:spPr>
           <a:xfrm>
-            <a:off x="2205321" y="1555919"/>
-            <a:ext cx="1308100" cy="332199"/>
-          </a:xfrm>
-          <a:prstGeom prst="rect">
+            <a:off x="3712278" y="1532219"/>
+            <a:ext cx="1350734" cy="332199"/>
+          </a:xfrm>
+          <a:prstGeom prst="roundRect">
             <a:avLst/>
           </a:prstGeom>
         </p:spPr>
@@ -3134,16 +3139,16 @@
       </p:sp>
       <p:sp>
         <p:nvSpPr>
-          <p:cNvPr id="9" name="Прямоугольник 8"/>
+          <p:cNvPr id="9" name="Скругленный прямоугольник 8"/>
           <p:cNvSpPr/>
           <p:nvPr/>
         </p:nvSpPr>
         <p:spPr>
           <a:xfrm>
-            <a:off x="2195496" y="2101545"/>
-            <a:ext cx="1308100" cy="281879"/>
-          </a:xfrm>
-          <a:prstGeom prst="rect">
+            <a:off x="3702452" y="2077845"/>
+            <a:ext cx="1360559" cy="314789"/>
+          </a:xfrm>
+          <a:prstGeom prst="roundRect">
             <a:avLst/>
           </a:prstGeom>
         </p:spPr>
@@ -3176,16 +3181,16 @@
       </p:sp>
       <p:sp>
         <p:nvSpPr>
-          <p:cNvPr id="10" name="Прямоугольник 9"/>
+          <p:cNvPr id="10" name="Скругленный прямоугольник 9"/>
           <p:cNvSpPr/>
           <p:nvPr/>
         </p:nvSpPr>
         <p:spPr>
           <a:xfrm>
-            <a:off x="4372462" y="179500"/>
+            <a:off x="5518252" y="159200"/>
             <a:ext cx="990600" cy="635473"/>
           </a:xfrm>
-          <a:prstGeom prst="rect">
+          <a:prstGeom prst="roundRect">
             <a:avLst/>
           </a:prstGeom>
         </p:spPr>
@@ -3218,16 +3223,16 @@
       </p:sp>
       <p:sp>
         <p:nvSpPr>
-          <p:cNvPr id="11" name="Прямоугольник 10"/>
+          <p:cNvPr id="11" name="Скругленный прямоугольник 10"/>
           <p:cNvSpPr/>
           <p:nvPr/>
         </p:nvSpPr>
         <p:spPr>
           <a:xfrm>
-            <a:off x="6311900" y="471601"/>
+            <a:off x="7160770" y="451301"/>
             <a:ext cx="1206500" cy="343371"/>
           </a:xfrm>
-          <a:prstGeom prst="rect">
+          <a:prstGeom prst="roundRect">
             <a:avLst/>
           </a:prstGeom>
         </p:spPr>
@@ -3260,16 +3265,16 @@
       </p:sp>
       <p:sp>
         <p:nvSpPr>
-          <p:cNvPr id="12" name="Прямоугольник 11"/>
+          <p:cNvPr id="12" name="Скругленный прямоугольник 11"/>
           <p:cNvSpPr/>
           <p:nvPr/>
         </p:nvSpPr>
         <p:spPr>
           <a:xfrm>
-            <a:off x="6313738" y="2969994"/>
+            <a:off x="7162608" y="2949694"/>
             <a:ext cx="1244600" cy="355365"/>
           </a:xfrm>
-          <a:prstGeom prst="rect">
+          <a:prstGeom prst="roundRect">
             <a:avLst/>
           </a:prstGeom>
         </p:spPr>
@@ -3302,16 +3307,16 @@
       </p:sp>
       <p:sp>
         <p:nvSpPr>
-          <p:cNvPr id="13" name="Прямоугольник 12"/>
+          <p:cNvPr id="13" name="Скругленный прямоугольник 12"/>
           <p:cNvSpPr/>
           <p:nvPr/>
         </p:nvSpPr>
         <p:spPr>
           <a:xfrm>
-            <a:off x="6311900" y="1703501"/>
+            <a:off x="7160770" y="1683201"/>
             <a:ext cx="1361052" cy="411553"/>
           </a:xfrm>
-          <a:prstGeom prst="rect">
+          <a:prstGeom prst="roundRect">
             <a:avLst/>
           </a:prstGeom>
         </p:spPr>
@@ -3344,16 +3349,16 @@
       </p:sp>
       <p:sp>
         <p:nvSpPr>
-          <p:cNvPr id="14" name="Прямоугольник 13"/>
+          <p:cNvPr id="14" name="Скругленный прямоугольник 13"/>
           <p:cNvSpPr/>
           <p:nvPr/>
         </p:nvSpPr>
         <p:spPr>
           <a:xfrm>
-            <a:off x="6311900" y="2345359"/>
+            <a:off x="7160770" y="2325059"/>
             <a:ext cx="1244600" cy="412242"/>
           </a:xfrm>
-          <a:prstGeom prst="rect">
+          <a:prstGeom prst="roundRect">
             <a:avLst/>
           </a:prstGeom>
         </p:spPr>
@@ -3386,16 +3391,16 @@
       </p:sp>
       <p:sp>
         <p:nvSpPr>
-          <p:cNvPr id="15" name="Прямоугольник 14"/>
+          <p:cNvPr id="15" name="Скругленный прямоугольник 14"/>
           <p:cNvSpPr/>
           <p:nvPr/>
         </p:nvSpPr>
         <p:spPr>
           <a:xfrm>
-            <a:off x="6311900" y="1054885"/>
+            <a:off x="7160770" y="1034585"/>
             <a:ext cx="1244600" cy="341811"/>
           </a:xfrm>
-          <a:prstGeom prst="rect">
+          <a:prstGeom prst="roundRect">
             <a:avLst/>
           </a:prstGeom>
         </p:spPr>
@@ -3428,16 +3433,16 @@
       </p:sp>
       <p:sp>
         <p:nvSpPr>
-          <p:cNvPr id="18" name="Прямоугольник 17"/>
+          <p:cNvPr id="18" name="Скругленный прямоугольник 17"/>
           <p:cNvSpPr/>
           <p:nvPr/>
         </p:nvSpPr>
         <p:spPr>
           <a:xfrm>
-            <a:off x="8353957" y="176137"/>
+            <a:off x="8977062" y="155800"/>
             <a:ext cx="768096" cy="520700"/>
           </a:xfrm>
-          <a:prstGeom prst="rect">
+          <a:prstGeom prst="roundRect">
             <a:avLst/>
           </a:prstGeom>
         </p:spPr>
@@ -3469,16 +3474,16 @@
       </p:sp>
       <p:sp>
         <p:nvSpPr>
-          <p:cNvPr id="19" name="Прямоугольник 18"/>
+          <p:cNvPr id="19" name="Скругленный прямоугольник 18"/>
           <p:cNvSpPr/>
           <p:nvPr/>
         </p:nvSpPr>
         <p:spPr>
           <a:xfrm>
-            <a:off x="10547395" y="570262"/>
+            <a:off x="10763295" y="544862"/>
             <a:ext cx="1203158" cy="322179"/>
           </a:xfrm>
-          <a:prstGeom prst="rect">
+          <a:prstGeom prst="roundRect">
             <a:avLst/>
           </a:prstGeom>
         </p:spPr>
@@ -3511,16 +3516,16 @@
       </p:sp>
       <p:sp>
         <p:nvSpPr>
-          <p:cNvPr id="20" name="Прямоугольник 19"/>
+          <p:cNvPr id="20" name="Скругленный прямоугольник 19"/>
           <p:cNvSpPr/>
           <p:nvPr/>
         </p:nvSpPr>
         <p:spPr>
           <a:xfrm>
-            <a:off x="10547395" y="1094506"/>
+            <a:off x="10763295" y="1069106"/>
             <a:ext cx="1020011" cy="318046"/>
           </a:xfrm>
-          <a:prstGeom prst="rect">
+          <a:prstGeom prst="roundRect">
             <a:avLst/>
           </a:prstGeom>
         </p:spPr>
@@ -3553,16 +3558,16 @@
       </p:sp>
       <p:sp>
         <p:nvSpPr>
-          <p:cNvPr id="21" name="Прямоугольник 20"/>
+          <p:cNvPr id="21" name="Скругленный прямоугольник 20"/>
           <p:cNvSpPr/>
           <p:nvPr/>
         </p:nvSpPr>
         <p:spPr>
           <a:xfrm>
-            <a:off x="10547395" y="1659812"/>
-            <a:ext cx="1219200" cy="408101"/>
-          </a:xfrm>
-          <a:prstGeom prst="rect">
+            <a:off x="10763294" y="1634412"/>
+            <a:ext cx="1251285" cy="408101"/>
+          </a:xfrm>
+          <a:prstGeom prst="roundRect">
             <a:avLst/>
           </a:prstGeom>
         </p:spPr>
@@ -3595,16 +3600,16 @@
       </p:sp>
       <p:sp>
         <p:nvSpPr>
-          <p:cNvPr id="22" name="Прямоугольник 21"/>
+          <p:cNvPr id="22" name="Скругленный прямоугольник 21"/>
           <p:cNvSpPr/>
           <p:nvPr/>
         </p:nvSpPr>
         <p:spPr>
           <a:xfrm>
-            <a:off x="10547395" y="2306552"/>
+            <a:off x="10763295" y="2281152"/>
             <a:ext cx="1251285" cy="415544"/>
           </a:xfrm>
-          <a:prstGeom prst="rect">
+          <a:prstGeom prst="roundRect">
             <a:avLst/>
           </a:prstGeom>
         </p:spPr>
@@ -3637,16 +3642,16 @@
       </p:sp>
       <p:sp>
         <p:nvSpPr>
-          <p:cNvPr id="23" name="Прямоугольник 22"/>
+          <p:cNvPr id="23" name="Скругленный прямоугольник 22"/>
           <p:cNvSpPr/>
           <p:nvPr/>
         </p:nvSpPr>
         <p:spPr>
           <a:xfrm>
-            <a:off x="10547395" y="2987984"/>
+            <a:off x="10763295" y="2962584"/>
             <a:ext cx="1235243" cy="391748"/>
           </a:xfrm>
-          <a:prstGeom prst="rect">
+          <a:prstGeom prst="roundRect">
             <a:avLst/>
           </a:prstGeom>
         </p:spPr>
@@ -3679,16 +3684,16 @@
       </p:sp>
       <p:sp>
         <p:nvSpPr>
-          <p:cNvPr id="26" name="Прямоугольник 25"/>
+          <p:cNvPr id="26" name="Скругленный прямоугольник 25"/>
           <p:cNvSpPr/>
           <p:nvPr/>
         </p:nvSpPr>
         <p:spPr>
           <a:xfrm>
-            <a:off x="390967" y="1168096"/>
-            <a:ext cx="1305622" cy="457200"/>
-          </a:xfrm>
-          <a:prstGeom prst="rect">
+            <a:off x="2152093" y="1144396"/>
+            <a:ext cx="1337950" cy="457200"/>
+          </a:xfrm>
+          <a:prstGeom prst="roundRect">
             <a:avLst/>
           </a:prstGeom>
         </p:spPr>
@@ -3721,16 +3726,16 @@
       </p:sp>
       <p:sp>
         <p:nvSpPr>
-          <p:cNvPr id="27" name="Прямоугольник 26"/>
+          <p:cNvPr id="27" name="Скругленный прямоугольник 26"/>
           <p:cNvSpPr/>
           <p:nvPr/>
         </p:nvSpPr>
         <p:spPr>
           <a:xfrm>
-            <a:off x="4372462" y="1168096"/>
+            <a:off x="5518252" y="1147796"/>
             <a:ext cx="1373834" cy="457200"/>
           </a:xfrm>
-          <a:prstGeom prst="rect">
+          <a:prstGeom prst="roundRect">
             <a:avLst/>
           </a:prstGeom>
         </p:spPr>
@@ -3763,16 +3768,16 @@
       </p:sp>
       <p:sp>
         <p:nvSpPr>
-          <p:cNvPr id="28" name="Прямоугольник 27"/>
+          <p:cNvPr id="28" name="Скругленный прямоугольник 27"/>
           <p:cNvSpPr/>
           <p:nvPr/>
         </p:nvSpPr>
         <p:spPr>
           <a:xfrm>
-            <a:off x="8358487" y="1007814"/>
+            <a:off x="8981592" y="987477"/>
             <a:ext cx="1431527" cy="457200"/>
           </a:xfrm>
-          <a:prstGeom prst="rect">
+          <a:prstGeom prst="roundRect">
             <a:avLst/>
           </a:prstGeom>
         </p:spPr>
@@ -3805,16 +3810,16 @@
       </p:sp>
       <p:sp>
         <p:nvSpPr>
-          <p:cNvPr id="29" name="Прямоугольник 28"/>
+          <p:cNvPr id="29" name="Скругленный прямоугольник 28"/>
           <p:cNvSpPr/>
           <p:nvPr/>
         </p:nvSpPr>
         <p:spPr>
           <a:xfrm>
-            <a:off x="390967" y="1918246"/>
+            <a:off x="2152093" y="1894546"/>
             <a:ext cx="990600" cy="393616"/>
           </a:xfrm>
-          <a:prstGeom prst="rect">
+          <a:prstGeom prst="roundRect">
             <a:avLst/>
           </a:prstGeom>
         </p:spPr>
@@ -3847,16 +3852,16 @@
       </p:sp>
       <p:sp>
         <p:nvSpPr>
-          <p:cNvPr id="30" name="Прямоугольник 29"/>
+          <p:cNvPr id="30" name="Скругленный прямоугольник 29"/>
           <p:cNvSpPr/>
           <p:nvPr/>
         </p:nvSpPr>
         <p:spPr>
           <a:xfrm>
-            <a:off x="4372462" y="1918247"/>
+            <a:off x="5518252" y="1897947"/>
             <a:ext cx="786316" cy="393616"/>
           </a:xfrm>
-          <a:prstGeom prst="rect">
+          <a:prstGeom prst="roundRect">
             <a:avLst/>
           </a:prstGeom>
         </p:spPr>
@@ -3889,16 +3894,16 @@
       </p:sp>
       <p:sp>
         <p:nvSpPr>
-          <p:cNvPr id="31" name="Прямоугольник 30"/>
+          <p:cNvPr id="31" name="Скругленный прямоугольник 30"/>
           <p:cNvSpPr/>
           <p:nvPr/>
         </p:nvSpPr>
         <p:spPr>
           <a:xfrm>
-            <a:off x="8353957" y="1767805"/>
+            <a:off x="8977062" y="1747468"/>
             <a:ext cx="889695" cy="508000"/>
           </a:xfrm>
-          <a:prstGeom prst="rect">
+          <a:prstGeom prst="roundRect">
             <a:avLst/>
           </a:prstGeom>
         </p:spPr>
@@ -3932,21 +3937,18 @@
       <p:cxnSp>
         <p:nvCxnSpPr>
           <p:cNvPr id="37" name="Соединительная линия уступом 36"/>
-          <p:cNvCxnSpPr>
-            <a:stCxn id="5" idx="2"/>
-            <a:endCxn id="26" idx="1"/>
-          </p:cNvCxnSpPr>
+          <p:cNvCxnSpPr/>
           <p:nvPr/>
         </p:nvCxnSpPr>
         <p:spPr>
           <a:xfrm rot="5400000">
-            <a:off x="353019" y="863448"/>
+            <a:off x="2114145" y="839748"/>
             <a:ext cx="571196" cy="495300"/>
           </a:xfrm>
           <a:prstGeom prst="bentConnector4">
             <a:avLst>
               <a:gd name="adj1" fmla="val 29989"/>
-              <a:gd name="adj2" fmla="val 146154"/>
+              <a:gd name="adj2" fmla="val 125641"/>
             </a:avLst>
           </a:prstGeom>
         </p:spPr>
@@ -3968,21 +3970,18 @@
       <p:cxnSp>
         <p:nvCxnSpPr>
           <p:cNvPr id="41" name="Соединительная линия уступом 40"/>
-          <p:cNvCxnSpPr>
-            <a:stCxn id="5" idx="2"/>
-            <a:endCxn id="29" idx="1"/>
-          </p:cNvCxnSpPr>
+          <p:cNvCxnSpPr/>
           <p:nvPr/>
         </p:nvCxnSpPr>
         <p:spPr>
           <a:xfrm rot="5400000">
-            <a:off x="-6160" y="1222627"/>
+            <a:off x="1754966" y="1198927"/>
             <a:ext cx="1289554" cy="495300"/>
           </a:xfrm>
           <a:prstGeom prst="bentConnector4">
             <a:avLst>
               <a:gd name="adj1" fmla="val 12824"/>
-              <a:gd name="adj2" fmla="val 146154"/>
+              <a:gd name="adj2" fmla="val 125641"/>
             </a:avLst>
           </a:prstGeom>
         </p:spPr>
@@ -4012,11 +4011,13 @@
         </p:nvCxnSpPr>
         <p:spPr>
           <a:xfrm>
-            <a:off x="1381567" y="502500"/>
-            <a:ext cx="813929" cy="243097"/>
+            <a:off x="3142693" y="478800"/>
+            <a:ext cx="559760" cy="243097"/>
           </a:xfrm>
           <a:prstGeom prst="bentConnector3">
-            <a:avLst/>
+            <a:avLst>
+              <a:gd name="adj1" fmla="val 79495"/>
+            </a:avLst>
           </a:prstGeom>
         </p:spPr>
         <p:style>
@@ -4045,11 +4046,13 @@
         </p:nvCxnSpPr>
         <p:spPr>
           <a:xfrm>
-            <a:off x="1381567" y="502500"/>
-            <a:ext cx="826629" cy="733914"/>
+            <a:off x="3142693" y="478800"/>
+            <a:ext cx="572460" cy="733914"/>
           </a:xfrm>
           <a:prstGeom prst="bentConnector3">
-            <a:avLst/>
+            <a:avLst>
+              <a:gd name="adj1" fmla="val 78840"/>
+            </a:avLst>
           </a:prstGeom>
         </p:spPr>
         <p:style>
@@ -4078,11 +4081,13 @@
         </p:nvCxnSpPr>
         <p:spPr>
           <a:xfrm>
-            <a:off x="1381567" y="502500"/>
-            <a:ext cx="823754" cy="1219519"/>
+            <a:off x="3142693" y="478800"/>
+            <a:ext cx="569585" cy="1219519"/>
           </a:xfrm>
           <a:prstGeom prst="bentConnector3">
-            <a:avLst/>
+            <a:avLst>
+              <a:gd name="adj1" fmla="val 78986"/>
+            </a:avLst>
           </a:prstGeom>
         </p:spPr>
         <p:style>
@@ -4111,11 +4116,13 @@
         </p:nvCxnSpPr>
         <p:spPr>
           <a:xfrm>
-            <a:off x="1381567" y="502500"/>
-            <a:ext cx="813929" cy="1739985"/>
+            <a:off x="3142693" y="478800"/>
+            <a:ext cx="559759" cy="1756440"/>
           </a:xfrm>
           <a:prstGeom prst="bentConnector3">
-            <a:avLst/>
+            <a:avLst>
+              <a:gd name="adj1" fmla="val 79495"/>
+            </a:avLst>
           </a:prstGeom>
         </p:spPr>
         <p:style>
@@ -4144,13 +4151,13 @@
         </p:nvCxnSpPr>
         <p:spPr>
           <a:xfrm rot="5400000">
-            <a:off x="4329251" y="858184"/>
+            <a:off x="5475041" y="837884"/>
             <a:ext cx="581723" cy="495300"/>
           </a:xfrm>
           <a:prstGeom prst="bentConnector4">
             <a:avLst>
               <a:gd name="adj1" fmla="val 30351"/>
-              <a:gd name="adj2" fmla="val 146154"/>
+              <a:gd name="adj2" fmla="val 128205"/>
             </a:avLst>
           </a:prstGeom>
         </p:spPr>
@@ -4180,13 +4187,13 @@
         </p:nvCxnSpPr>
         <p:spPr>
           <a:xfrm rot="5400000">
-            <a:off x="3970071" y="1217364"/>
+            <a:off x="5115861" y="1197064"/>
             <a:ext cx="1300082" cy="495300"/>
           </a:xfrm>
           <a:prstGeom prst="bentConnector4">
             <a:avLst>
-              <a:gd name="adj1" fmla="val 13125"/>
-              <a:gd name="adj2" fmla="val 146154"/>
+              <a:gd name="adj1" fmla="val 14102"/>
+              <a:gd name="adj2" fmla="val 128205"/>
             </a:avLst>
           </a:prstGeom>
         </p:spPr>
@@ -4216,11 +4223,13 @@
         </p:nvCxnSpPr>
         <p:spPr>
           <a:xfrm>
-            <a:off x="5363062" y="497237"/>
-            <a:ext cx="948838" cy="146050"/>
+            <a:off x="6508852" y="476937"/>
+            <a:ext cx="651918" cy="146050"/>
           </a:xfrm>
           <a:prstGeom prst="bentConnector3">
-            <a:avLst/>
+            <a:avLst>
+              <a:gd name="adj1" fmla="val 75325"/>
+            </a:avLst>
           </a:prstGeom>
         </p:spPr>
         <p:style>
@@ -4249,11 +4258,13 @@
         </p:nvCxnSpPr>
         <p:spPr>
           <a:xfrm>
-            <a:off x="5363062" y="497237"/>
-            <a:ext cx="950676" cy="2650440"/>
+            <a:off x="6508852" y="476937"/>
+            <a:ext cx="653756" cy="2650440"/>
           </a:xfrm>
           <a:prstGeom prst="bentConnector3">
-            <a:avLst/>
+            <a:avLst>
+              <a:gd name="adj1" fmla="val 75254"/>
+            </a:avLst>
           </a:prstGeom>
         </p:spPr>
         <p:style>
@@ -4282,11 +4293,13 @@
         </p:nvCxnSpPr>
         <p:spPr>
           <a:xfrm>
-            <a:off x="5363062" y="497237"/>
-            <a:ext cx="948838" cy="1412041"/>
+            <a:off x="6508852" y="476937"/>
+            <a:ext cx="651918" cy="1412041"/>
           </a:xfrm>
           <a:prstGeom prst="bentConnector3">
-            <a:avLst/>
+            <a:avLst>
+              <a:gd name="adj1" fmla="val 75325"/>
+            </a:avLst>
           </a:prstGeom>
         </p:spPr>
         <p:style>
@@ -4315,11 +4328,13 @@
         </p:nvCxnSpPr>
         <p:spPr>
           <a:xfrm>
-            <a:off x="5363062" y="497237"/>
-            <a:ext cx="948838" cy="2054243"/>
+            <a:off x="6508852" y="476937"/>
+            <a:ext cx="651918" cy="2054243"/>
           </a:xfrm>
           <a:prstGeom prst="bentConnector3">
-            <a:avLst/>
+            <a:avLst>
+              <a:gd name="adj1" fmla="val 75325"/>
+            </a:avLst>
           </a:prstGeom>
         </p:spPr>
         <p:style>
@@ -4348,11 +4363,13 @@
         </p:nvCxnSpPr>
         <p:spPr>
           <a:xfrm>
-            <a:off x="5363062" y="497237"/>
-            <a:ext cx="948838" cy="728554"/>
+            <a:off x="6508852" y="476937"/>
+            <a:ext cx="651918" cy="728554"/>
           </a:xfrm>
           <a:prstGeom prst="bentConnector3">
-            <a:avLst/>
+            <a:avLst>
+              <a:gd name="adj1" fmla="val 75325"/>
+            </a:avLst>
           </a:prstGeom>
         </p:spPr>
         <p:style>
@@ -4373,21 +4390,18 @@
       <p:cxnSp>
         <p:nvCxnSpPr>
           <p:cNvPr id="78" name="Соединительная линия уступом 77"/>
-          <p:cNvCxnSpPr>
-            <a:stCxn id="18" idx="2"/>
-            <a:endCxn id="28" idx="1"/>
-          </p:cNvCxnSpPr>
+          <p:cNvCxnSpPr/>
           <p:nvPr/>
         </p:nvCxnSpPr>
         <p:spPr>
           <a:xfrm rot="5400000">
-            <a:off x="8278458" y="776866"/>
+            <a:off x="8901563" y="756529"/>
             <a:ext cx="539577" cy="379518"/>
           </a:xfrm>
           <a:prstGeom prst="bentConnector4">
             <a:avLst>
               <a:gd name="adj1" fmla="val 28817"/>
-              <a:gd name="adj2" fmla="val 160234"/>
+              <a:gd name="adj2" fmla="val 136809"/>
             </a:avLst>
           </a:prstGeom>
         </p:spPr>
@@ -4409,21 +4423,18 @@
       <p:cxnSp>
         <p:nvCxnSpPr>
           <p:cNvPr id="80" name="Соединительная линия уступом 79"/>
-          <p:cNvCxnSpPr>
-            <a:stCxn id="18" idx="2"/>
-            <a:endCxn id="31" idx="1"/>
-          </p:cNvCxnSpPr>
+          <p:cNvCxnSpPr/>
           <p:nvPr/>
         </p:nvCxnSpPr>
         <p:spPr>
           <a:xfrm rot="5400000">
-            <a:off x="7883497" y="1167297"/>
+            <a:off x="8506602" y="1146960"/>
             <a:ext cx="1324968" cy="384048"/>
           </a:xfrm>
           <a:prstGeom prst="bentConnector4">
             <a:avLst>
               <a:gd name="adj1" fmla="val 11660"/>
-              <a:gd name="adj2" fmla="val 159524"/>
+              <a:gd name="adj2" fmla="val 136376"/>
             </a:avLst>
           </a:prstGeom>
         </p:spPr>
@@ -4453,12 +4464,12 @@
         </p:nvCxnSpPr>
         <p:spPr>
           <a:xfrm>
-            <a:off x="9122053" y="436487"/>
-            <a:ext cx="1425342" cy="294865"/>
+            <a:off x="9745158" y="416150"/>
+            <a:ext cx="1018137" cy="289802"/>
           </a:xfrm>
           <a:prstGeom prst="bentConnector3">
             <a:avLst>
-              <a:gd name="adj1" fmla="val 50000"/>
+              <a:gd name="adj1" fmla="val 83679"/>
             </a:avLst>
           </a:prstGeom>
         </p:spPr>
@@ -4488,12 +4499,12 @@
         </p:nvCxnSpPr>
         <p:spPr>
           <a:xfrm>
-            <a:off x="9122053" y="436487"/>
-            <a:ext cx="1425342" cy="817042"/>
+            <a:off x="9745158" y="416150"/>
+            <a:ext cx="1018137" cy="811979"/>
           </a:xfrm>
           <a:prstGeom prst="bentConnector3">
             <a:avLst>
-              <a:gd name="adj1" fmla="val 50000"/>
+              <a:gd name="adj1" fmla="val 83679"/>
             </a:avLst>
           </a:prstGeom>
         </p:spPr>
@@ -4523,12 +4534,12 @@
         </p:nvCxnSpPr>
         <p:spPr>
           <a:xfrm>
-            <a:off x="9122053" y="436487"/>
-            <a:ext cx="1425342" cy="1427376"/>
+            <a:off x="9745158" y="416150"/>
+            <a:ext cx="1018136" cy="1422313"/>
           </a:xfrm>
           <a:prstGeom prst="bentConnector3">
             <a:avLst>
-              <a:gd name="adj1" fmla="val 50000"/>
+              <a:gd name="adj1" fmla="val 83679"/>
             </a:avLst>
           </a:prstGeom>
         </p:spPr>
@@ -4558,12 +4569,12 @@
         </p:nvCxnSpPr>
         <p:spPr>
           <a:xfrm>
-            <a:off x="9122053" y="436487"/>
-            <a:ext cx="1425342" cy="2077837"/>
+            <a:off x="9745158" y="416150"/>
+            <a:ext cx="1018137" cy="2072774"/>
           </a:xfrm>
           <a:prstGeom prst="bentConnector3">
             <a:avLst>
-              <a:gd name="adj1" fmla="val 50000"/>
+              <a:gd name="adj1" fmla="val 83679"/>
             </a:avLst>
           </a:prstGeom>
         </p:spPr>
@@ -4593,12 +4604,12 @@
         </p:nvCxnSpPr>
         <p:spPr>
           <a:xfrm>
-            <a:off x="9122053" y="436487"/>
-            <a:ext cx="1425342" cy="2747371"/>
+            <a:off x="9745158" y="416150"/>
+            <a:ext cx="1018137" cy="2742308"/>
           </a:xfrm>
           <a:prstGeom prst="bentConnector3">
             <a:avLst>
-              <a:gd name="adj1" fmla="val 50000"/>
+              <a:gd name="adj1" fmla="val 83679"/>
             </a:avLst>
           </a:prstGeom>
         </p:spPr>
@@ -4619,23 +4630,24 @@
       </p:cxnSp>
       <p:cxnSp>
         <p:nvCxnSpPr>
-          <p:cNvPr id="132" name="Соединительная линия уступом 131"/>
+          <p:cNvPr id="47" name="Соединительная линия уступом 46"/>
           <p:cNvCxnSpPr>
-            <a:stCxn id="6" idx="3"/>
-            <a:endCxn id="10" idx="1"/>
+            <a:stCxn id="14" idx="3"/>
+            <a:endCxn id="18" idx="1"/>
           </p:cNvCxnSpPr>
           <p:nvPr/>
         </p:nvCxnSpPr>
         <p:spPr>
           <a:xfrm flipV="1">
-            <a:off x="2809688" y="497237"/>
-            <a:ext cx="1562774" cy="248360"/>
+            <a:off x="8405370" y="416150"/>
+            <a:ext cx="571692" cy="2115030"/>
           </a:xfrm>
           <a:prstGeom prst="bentConnector3">
-            <a:avLst>
-              <a:gd name="adj1" fmla="val 50000"/>
-            </a:avLst>
-          </a:prstGeom>
+            <a:avLst/>
+          </a:prstGeom>
+          <a:ln>
+            <a:tailEnd type="triangle"/>
+          </a:ln>
         </p:spPr>
         <p:style>
           <a:lnRef idx="1">
@@ -4654,23 +4666,24 @@
       </p:cxnSp>
       <p:cxnSp>
         <p:nvCxnSpPr>
-          <p:cNvPr id="141" name="Соединительная линия уступом 140"/>
+          <p:cNvPr id="51" name="Соединительная линия уступом 50"/>
           <p:cNvCxnSpPr>
-            <a:stCxn id="7" idx="3"/>
-            <a:endCxn id="10" idx="1"/>
+            <a:stCxn id="12" idx="3"/>
+            <a:endCxn id="18" idx="1"/>
           </p:cNvCxnSpPr>
           <p:nvPr/>
         </p:nvCxnSpPr>
         <p:spPr>
           <a:xfrm flipV="1">
-            <a:off x="2809688" y="497237"/>
-            <a:ext cx="1562774" cy="739177"/>
+            <a:off x="8407208" y="416150"/>
+            <a:ext cx="569854" cy="2711227"/>
           </a:xfrm>
           <a:prstGeom prst="bentConnector3">
-            <a:avLst>
-              <a:gd name="adj1" fmla="val 50000"/>
-            </a:avLst>
-          </a:prstGeom>
+            <a:avLst/>
+          </a:prstGeom>
+          <a:ln>
+            <a:tailEnd type="triangle"/>
+          </a:ln>
         </p:spPr>
         <p:style>
           <a:lnRef idx="1">
@@ -4689,21 +4702,26 @@
       </p:cxnSp>
       <p:cxnSp>
         <p:nvCxnSpPr>
-          <p:cNvPr id="152" name="Соединительная линия уступом 151"/>
+          <p:cNvPr id="92" name="Соединительная линия уступом 91"/>
           <p:cNvCxnSpPr>
-            <a:stCxn id="14" idx="3"/>
-            <a:endCxn id="18" idx="1"/>
+            <a:stCxn id="6" idx="3"/>
+            <a:endCxn id="10" idx="1"/>
           </p:cNvCxnSpPr>
           <p:nvPr/>
         </p:nvCxnSpPr>
         <p:spPr>
           <a:xfrm flipV="1">
-            <a:off x="7556500" y="436487"/>
-            <a:ext cx="797457" cy="2114993"/>
+            <a:off x="4316645" y="476937"/>
+            <a:ext cx="1201607" cy="244960"/>
           </a:xfrm>
           <a:prstGeom prst="bentConnector3">
-            <a:avLst/>
-          </a:prstGeom>
+            <a:avLst>
+              <a:gd name="adj1" fmla="val 81708"/>
+            </a:avLst>
+          </a:prstGeom>
+          <a:ln>
+            <a:tailEnd type="triangle"/>
+          </a:ln>
         </p:spPr>
         <p:style>
           <a:lnRef idx="1">
@@ -4722,21 +4740,26 @@
       </p:cxnSp>
       <p:cxnSp>
         <p:nvCxnSpPr>
-          <p:cNvPr id="154" name="Соединительная линия уступом 153"/>
+          <p:cNvPr id="94" name="Соединительная линия уступом 93"/>
           <p:cNvCxnSpPr>
-            <a:stCxn id="12" idx="3"/>
-            <a:endCxn id="18" idx="1"/>
+            <a:stCxn id="7" idx="3"/>
+            <a:endCxn id="10" idx="1"/>
           </p:cNvCxnSpPr>
           <p:nvPr/>
         </p:nvCxnSpPr>
         <p:spPr>
           <a:xfrm flipV="1">
-            <a:off x="7558338" y="436487"/>
-            <a:ext cx="795619" cy="2711190"/>
+            <a:off x="4316645" y="476937"/>
+            <a:ext cx="1201607" cy="735777"/>
           </a:xfrm>
           <a:prstGeom prst="bentConnector3">
-            <a:avLst/>
-          </a:prstGeom>
+            <a:avLst>
+              <a:gd name="adj1" fmla="val 81708"/>
+            </a:avLst>
+          </a:prstGeom>
+          <a:ln>
+            <a:tailEnd type="triangle"/>
+          </a:ln>
         </p:spPr>
         <p:style>
           <a:lnRef idx="1">
@@ -4755,7 +4778,7 @@
       </p:cxnSp>
       <p:cxnSp>
         <p:nvCxnSpPr>
-          <p:cNvPr id="161" name="Соединительная линия уступом 160"/>
+          <p:cNvPr id="96" name="Соединительная линия уступом 95"/>
           <p:cNvCxnSpPr>
             <a:stCxn id="8" idx="3"/>
             <a:endCxn id="10" idx="1"/>
@@ -4764,12 +4787,15 @@
         </p:nvCxnSpPr>
         <p:spPr>
           <a:xfrm flipV="1">
-            <a:off x="3513421" y="497237"/>
-            <a:ext cx="859041" cy="1224782"/>
+            <a:off x="5063012" y="476937"/>
+            <a:ext cx="455240" cy="1221382"/>
           </a:xfrm>
           <a:prstGeom prst="bentConnector3">
             <a:avLst/>
           </a:prstGeom>
+          <a:ln>
+            <a:tailEnd type="triangle"/>
+          </a:ln>
         </p:spPr>
         <p:style>
           <a:lnRef idx="1">
@@ -4788,7 +4814,7 @@
       </p:cxnSp>
       <p:cxnSp>
         <p:nvCxnSpPr>
-          <p:cNvPr id="163" name="Соединительная линия уступом 162"/>
+          <p:cNvPr id="99" name="Соединительная линия уступом 98"/>
           <p:cNvCxnSpPr>
             <a:stCxn id="9" idx="3"/>
             <a:endCxn id="10" idx="1"/>
@@ -4797,12 +4823,214 @@
         </p:nvCxnSpPr>
         <p:spPr>
           <a:xfrm flipV="1">
-            <a:off x="3503596" y="497237"/>
-            <a:ext cx="868866" cy="1745248"/>
+            <a:off x="5063011" y="476937"/>
+            <a:ext cx="455241" cy="1758303"/>
           </a:xfrm>
           <a:prstGeom prst="bentConnector3">
             <a:avLst/>
           </a:prstGeom>
+          <a:ln>
+            <a:tailEnd type="triangle"/>
+          </a:ln>
+        </p:spPr>
+        <p:style>
+          <a:lnRef idx="1">
+            <a:schemeClr val="dk1"/>
+          </a:lnRef>
+          <a:fillRef idx="0">
+            <a:schemeClr val="dk1"/>
+          </a:fillRef>
+          <a:effectRef idx="0">
+            <a:schemeClr val="dk1"/>
+          </a:effectRef>
+          <a:fontRef idx="minor">
+            <a:schemeClr val="tx1"/>
+          </a:fontRef>
+        </p:style>
+      </p:cxnSp>
+      <p:sp>
+        <p:nvSpPr>
+          <p:cNvPr id="116" name="Скругленный прямоугольник 115"/>
+          <p:cNvSpPr/>
+          <p:nvPr/>
+        </p:nvSpPr>
+        <p:spPr>
+          <a:xfrm>
+            <a:off x="469900" y="216586"/>
+            <a:ext cx="1092200" cy="520699"/>
+          </a:xfrm>
+          <a:prstGeom prst="roundRect">
+            <a:avLst/>
+          </a:prstGeom>
+        </p:spPr>
+        <p:style>
+          <a:lnRef idx="2">
+            <a:schemeClr val="dk1"/>
+          </a:lnRef>
+          <a:fillRef idx="1">
+            <a:schemeClr val="lt1"/>
+          </a:fillRef>
+          <a:effectRef idx="0">
+            <a:schemeClr val="dk1"/>
+          </a:effectRef>
+          <a:fontRef idx="minor">
+            <a:schemeClr val="dk1"/>
+          </a:fontRef>
+        </p:style>
+        <p:txBody>
+          <a:bodyPr rtlCol="0" anchor="ctr"/>
+          <a:lstStyle/>
+          <a:p>
+            <a:pPr algn="ctr"/>
+            <a:r>
+              <a:rPr lang="en-US" dirty="0" smtClean="0"/>
+              <a:t>main</a:t>
+            </a:r>
+            <a:endParaRPr lang="ru-RU" dirty="0"/>
+          </a:p>
+        </p:txBody>
+      </p:sp>
+      <p:sp>
+        <p:nvSpPr>
+          <p:cNvPr id="117" name="Скругленный прямоугольник 116"/>
+          <p:cNvSpPr/>
+          <p:nvPr/>
+        </p:nvSpPr>
+        <p:spPr>
+          <a:xfrm>
+            <a:off x="368300" y="1228129"/>
+            <a:ext cx="1295400" cy="878640"/>
+          </a:xfrm>
+          <a:prstGeom prst="roundRect">
+            <a:avLst/>
+          </a:prstGeom>
+        </p:spPr>
+        <p:style>
+          <a:lnRef idx="2">
+            <a:schemeClr val="dk1"/>
+          </a:lnRef>
+          <a:fillRef idx="1">
+            <a:schemeClr val="lt1"/>
+          </a:fillRef>
+          <a:effectRef idx="0">
+            <a:schemeClr val="dk1"/>
+          </a:effectRef>
+          <a:fontRef idx="minor">
+            <a:schemeClr val="dk1"/>
+          </a:fontRef>
+        </p:style>
+        <p:txBody>
+          <a:bodyPr rtlCol="0" anchor="ctr"/>
+          <a:lstStyle/>
+          <a:p>
+            <a:pPr algn="ctr"/>
+            <a:r>
+              <a:rPr lang="en-US" dirty="0" smtClean="0"/>
+              <a:t>matrix</a:t>
+            </a:r>
+          </a:p>
+          <a:p>
+            <a:pPr algn="ctr"/>
+            <a:r>
+              <a:rPr lang="en-US" dirty="0" smtClean="0"/>
+              <a:t>Generator</a:t>
+            </a:r>
+            <a:endParaRPr lang="ru-RU" dirty="0"/>
+          </a:p>
+        </p:txBody>
+      </p:sp>
+      <p:cxnSp>
+        <p:nvCxnSpPr>
+          <p:cNvPr id="119" name="Соединительная линия уступом 118"/>
+          <p:cNvCxnSpPr>
+            <a:stCxn id="117" idx="3"/>
+            <a:endCxn id="5" idx="1"/>
+          </p:cNvCxnSpPr>
+          <p:nvPr/>
+        </p:nvCxnSpPr>
+        <p:spPr>
+          <a:xfrm flipV="1">
+            <a:off x="1663700" y="478800"/>
+            <a:ext cx="488393" cy="1188649"/>
+          </a:xfrm>
+          <a:prstGeom prst="bentConnector3">
+            <a:avLst/>
+          </a:prstGeom>
+          <a:ln>
+            <a:tailEnd type="triangle"/>
+          </a:ln>
+        </p:spPr>
+        <p:style>
+          <a:lnRef idx="1">
+            <a:schemeClr val="dk1"/>
+          </a:lnRef>
+          <a:fillRef idx="0">
+            <a:schemeClr val="dk1"/>
+          </a:fillRef>
+          <a:effectRef idx="0">
+            <a:schemeClr val="dk1"/>
+          </a:effectRef>
+          <a:fontRef idx="minor">
+            <a:schemeClr val="tx1"/>
+          </a:fontRef>
+        </p:style>
+      </p:cxnSp>
+      <p:cxnSp>
+        <p:nvCxnSpPr>
+          <p:cNvPr id="123" name="Прямая со стрелкой 122"/>
+          <p:cNvCxnSpPr>
+            <a:stCxn id="116" idx="3"/>
+            <a:endCxn id="5" idx="1"/>
+          </p:cNvCxnSpPr>
+          <p:nvPr/>
+        </p:nvCxnSpPr>
+        <p:spPr>
+          <a:xfrm>
+            <a:off x="1562100" y="476936"/>
+            <a:ext cx="589993" cy="1864"/>
+          </a:xfrm>
+          <a:prstGeom prst="straightConnector1">
+            <a:avLst/>
+          </a:prstGeom>
+          <a:ln>
+            <a:tailEnd type="triangle"/>
+          </a:ln>
+        </p:spPr>
+        <p:style>
+          <a:lnRef idx="1">
+            <a:schemeClr val="dk1"/>
+          </a:lnRef>
+          <a:fillRef idx="0">
+            <a:schemeClr val="dk1"/>
+          </a:fillRef>
+          <a:effectRef idx="0">
+            <a:schemeClr val="dk1"/>
+          </a:effectRef>
+          <a:fontRef idx="minor">
+            <a:schemeClr val="tx1"/>
+          </a:fontRef>
+        </p:style>
+      </p:cxnSp>
+      <p:cxnSp>
+        <p:nvCxnSpPr>
+          <p:cNvPr id="125" name="Прямая со стрелкой 124"/>
+          <p:cNvCxnSpPr>
+            <a:stCxn id="116" idx="2"/>
+            <a:endCxn id="117" idx="0"/>
+          </p:cNvCxnSpPr>
+          <p:nvPr/>
+        </p:nvCxnSpPr>
+        <p:spPr>
+          <a:xfrm>
+            <a:off x="1016000" y="737285"/>
+            <a:ext cx="0" cy="490844"/>
+          </a:xfrm>
+          <a:prstGeom prst="straightConnector1">
+            <a:avLst/>
+          </a:prstGeom>
+          <a:ln>
+            <a:tailEnd type="triangle"/>
+          </a:ln>
         </p:spPr>
         <p:style>
           <a:lnRef idx="1">
